--- a/docs/planning/proposal_assets.pptx
+++ b/docs/planning/proposal_assets.pptx
@@ -6,6 +6,8 @@
   </p:sldMasterIdLst>
   <p:sldIdLst>
     <p:sldId id="256" r:id="rId2"/>
+    <p:sldId id="258" r:id="rId3"/>
+    <p:sldId id="259" r:id="rId4"/>
   </p:sldIdLst>
   <p:sldSz cx="12192000" cy="6858000"/>
   <p:notesSz cx="6858000" cy="9144000"/>
@@ -4419,6 +4421,1303 @@
     <p:extLst>
       <p:ext uri="{BB962C8B-B14F-4D97-AF65-F5344CB8AC3E}">
         <p14:creationId xmlns:p14="http://schemas.microsoft.com/office/powerpoint/2010/main" val="1154116231"/>
+      </p:ext>
+    </p:extLst>
+  </p:cSld>
+  <p:clrMapOvr>
+    <a:masterClrMapping/>
+  </p:clrMapOvr>
+</p:sld>
+</file>
+
+<file path=ppt/slides/slide2.xml><?xml version="1.0" encoding="utf-8"?>
+<p:sld xmlns:a="http://schemas.openxmlformats.org/drawingml/2006/main" xmlns:r="http://schemas.openxmlformats.org/officeDocument/2006/relationships" xmlns:p="http://schemas.openxmlformats.org/presentationml/2006/main">
+  <p:cSld>
+    <p:spTree>
+      <p:nvGrpSpPr>
+        <p:cNvPr id="1" name=""/>
+        <p:cNvGrpSpPr/>
+        <p:nvPr/>
+      </p:nvGrpSpPr>
+      <p:grpSpPr>
+        <a:xfrm>
+          <a:off x="0" y="0"/>
+          <a:ext cx="0" cy="0"/>
+          <a:chOff x="0" y="0"/>
+          <a:chExt cx="0" cy="0"/>
+        </a:xfrm>
+      </p:grpSpPr>
+      <p:cxnSp>
+        <p:nvCxnSpPr>
+          <p:cNvPr id="89" name="Straight Arrow Connector 88">
+            <a:extLst>
+              <a:ext uri="{FF2B5EF4-FFF2-40B4-BE49-F238E27FC236}">
+                <a16:creationId xmlns:a16="http://schemas.microsoft.com/office/drawing/2014/main" id="{26B920F3-152C-0291-62C1-96F1D043AA3E}"/>
+              </a:ext>
+            </a:extLst>
+          </p:cNvPr>
+          <p:cNvCxnSpPr>
+            <a:cxnSpLocks/>
+          </p:cNvCxnSpPr>
+          <p:nvPr/>
+        </p:nvCxnSpPr>
+        <p:spPr>
+          <a:xfrm>
+            <a:off x="2942389" y="1498452"/>
+            <a:ext cx="1217234" cy="0"/>
+          </a:xfrm>
+          <a:prstGeom prst="straightConnector1">
+            <a:avLst/>
+          </a:prstGeom>
+          <a:ln w="76200">
+            <a:solidFill>
+              <a:schemeClr val="tx1"/>
+            </a:solidFill>
+            <a:tailEnd type="triangle"/>
+          </a:ln>
+        </p:spPr>
+        <p:style>
+          <a:lnRef idx="2">
+            <a:schemeClr val="dk1"/>
+          </a:lnRef>
+          <a:fillRef idx="0">
+            <a:schemeClr val="dk1"/>
+          </a:fillRef>
+          <a:effectRef idx="1">
+            <a:schemeClr val="dk1"/>
+          </a:effectRef>
+          <a:fontRef idx="minor">
+            <a:schemeClr val="tx1"/>
+          </a:fontRef>
+        </p:style>
+      </p:cxnSp>
+      <p:sp>
+        <p:nvSpPr>
+          <p:cNvPr id="4" name="Flowchart: Document 3">
+            <a:extLst>
+              <a:ext uri="{FF2B5EF4-FFF2-40B4-BE49-F238E27FC236}">
+                <a16:creationId xmlns:a16="http://schemas.microsoft.com/office/drawing/2014/main" id="{F326D924-A861-D99D-803B-5B4A3E320675}"/>
+              </a:ext>
+            </a:extLst>
+          </p:cNvPr>
+          <p:cNvSpPr/>
+          <p:nvPr/>
+        </p:nvSpPr>
+        <p:spPr>
+          <a:xfrm>
+            <a:off x="294524" y="1215313"/>
+            <a:ext cx="3094136" cy="1949172"/>
+          </a:xfrm>
+          <a:prstGeom prst="flowChartDocument">
+            <a:avLst/>
+          </a:prstGeom>
+          <a:solidFill>
+            <a:srgbClr val="19A796"/>
+          </a:solidFill>
+        </p:spPr>
+        <p:style>
+          <a:lnRef idx="2">
+            <a:schemeClr val="accent1">
+              <a:shade val="15000"/>
+            </a:schemeClr>
+          </a:lnRef>
+          <a:fillRef idx="1">
+            <a:schemeClr val="accent1"/>
+          </a:fillRef>
+          <a:effectRef idx="0">
+            <a:schemeClr val="accent1"/>
+          </a:effectRef>
+          <a:fontRef idx="minor">
+            <a:schemeClr val="lt1"/>
+          </a:fontRef>
+        </p:style>
+        <p:txBody>
+          <a:bodyPr wrap="square" rtlCol="0" anchor="t" anchorCtr="0">
+            <a:spAutoFit/>
+          </a:bodyPr>
+          <a:lstStyle/>
+          <a:p>
+            <a:r>
+              <a:rPr lang="en-US" sz="1600" b="1" u="sng" dirty="0"/>
+              <a:t>Init</a:t>
+            </a:r>
+          </a:p>
+          <a:p>
+            <a:pPr marL="285750" indent="-285750">
+              <a:buFont typeface="Arial" panose="020B0604020202020204" pitchFamily="34" charset="0"/>
+              <a:buChar char="•"/>
+            </a:pPr>
+            <a:r>
+              <a:rPr lang="en-US" sz="1600" dirty="0"/>
+              <a:t>Keypad</a:t>
+            </a:r>
+          </a:p>
+          <a:p>
+            <a:pPr marL="285750" indent="-285750">
+              <a:buFont typeface="Arial" panose="020B0604020202020204" pitchFamily="34" charset="0"/>
+              <a:buChar char="•"/>
+            </a:pPr>
+            <a:r>
+              <a:rPr lang="en-US" sz="1600" dirty="0"/>
+              <a:t>ADC</a:t>
+            </a:r>
+          </a:p>
+          <a:p>
+            <a:pPr marL="285750" indent="-285750">
+              <a:buFont typeface="Arial" panose="020B0604020202020204" pitchFamily="34" charset="0"/>
+              <a:buChar char="•"/>
+            </a:pPr>
+            <a:r>
+              <a:rPr lang="en-US" sz="1600" dirty="0"/>
+              <a:t>I2C Master</a:t>
+            </a:r>
+          </a:p>
+          <a:p>
+            <a:pPr marL="285750" indent="-285750">
+              <a:buFont typeface="Arial" panose="020B0604020202020204" pitchFamily="34" charset="0"/>
+              <a:buChar char="•"/>
+            </a:pPr>
+            <a:r>
+              <a:rPr lang="en-US" sz="1600" dirty="0"/>
+              <a:t>UART</a:t>
+            </a:r>
+          </a:p>
+          <a:p>
+            <a:pPr marL="285750" indent="-285750">
+              <a:buFont typeface="Arial" panose="020B0604020202020204" pitchFamily="34" charset="0"/>
+              <a:buChar char="•"/>
+            </a:pPr>
+            <a:r>
+              <a:rPr lang="en-US" sz="1600" dirty="0"/>
+              <a:t>Sampling timer</a:t>
+            </a:r>
+          </a:p>
+        </p:txBody>
+      </p:sp>
+      <p:sp>
+        <p:nvSpPr>
+          <p:cNvPr id="5" name="Rectangle: Rounded Corners 4">
+            <a:extLst>
+              <a:ext uri="{FF2B5EF4-FFF2-40B4-BE49-F238E27FC236}">
+                <a16:creationId xmlns:a16="http://schemas.microsoft.com/office/drawing/2014/main" id="{E2A281D4-4064-1926-C45C-91F7A6AF9E3F}"/>
+              </a:ext>
+            </a:extLst>
+          </p:cNvPr>
+          <p:cNvSpPr/>
+          <p:nvPr/>
+        </p:nvSpPr>
+        <p:spPr>
+          <a:xfrm>
+            <a:off x="4159623" y="1311166"/>
+            <a:ext cx="2078958" cy="374571"/>
+          </a:xfrm>
+          <a:prstGeom prst="roundRect">
+            <a:avLst/>
+          </a:prstGeom>
+          <a:solidFill>
+            <a:schemeClr val="accent2"/>
+          </a:solidFill>
+        </p:spPr>
+        <p:style>
+          <a:lnRef idx="2">
+            <a:schemeClr val="accent1">
+              <a:shade val="15000"/>
+            </a:schemeClr>
+          </a:lnRef>
+          <a:fillRef idx="1">
+            <a:schemeClr val="accent1"/>
+          </a:fillRef>
+          <a:effectRef idx="0">
+            <a:schemeClr val="accent1"/>
+          </a:effectRef>
+          <a:fontRef idx="minor">
+            <a:schemeClr val="lt1"/>
+          </a:fontRef>
+        </p:style>
+        <p:txBody>
+          <a:bodyPr wrap="square" rtlCol="0" anchor="ctr">
+            <a:spAutoFit/>
+          </a:bodyPr>
+          <a:lstStyle/>
+          <a:p>
+            <a:pPr algn="ctr"/>
+            <a:r>
+              <a:rPr lang="en-US" sz="1600" b="1" u="sng" dirty="0"/>
+              <a:t>Main</a:t>
+            </a:r>
+          </a:p>
+        </p:txBody>
+      </p:sp>
+      <p:cxnSp>
+        <p:nvCxnSpPr>
+          <p:cNvPr id="10" name="Straight Arrow Connector 9">
+            <a:extLst>
+              <a:ext uri="{FF2B5EF4-FFF2-40B4-BE49-F238E27FC236}">
+                <a16:creationId xmlns:a16="http://schemas.microsoft.com/office/drawing/2014/main" id="{99DA547D-3C4F-61FF-A62E-4669C5616637}"/>
+              </a:ext>
+            </a:extLst>
+          </p:cNvPr>
+          <p:cNvCxnSpPr>
+            <a:cxnSpLocks/>
+            <a:stCxn id="5" idx="2"/>
+          </p:cNvCxnSpPr>
+          <p:nvPr/>
+        </p:nvCxnSpPr>
+        <p:spPr>
+          <a:xfrm>
+            <a:off x="5199102" y="1685737"/>
+            <a:ext cx="0" cy="442616"/>
+          </a:xfrm>
+          <a:prstGeom prst="straightConnector1">
+            <a:avLst/>
+          </a:prstGeom>
+          <a:ln w="76200">
+            <a:solidFill>
+              <a:schemeClr val="tx1"/>
+            </a:solidFill>
+            <a:tailEnd type="triangle"/>
+          </a:ln>
+        </p:spPr>
+        <p:style>
+          <a:lnRef idx="2">
+            <a:schemeClr val="dk1"/>
+          </a:lnRef>
+          <a:fillRef idx="0">
+            <a:schemeClr val="dk1"/>
+          </a:fillRef>
+          <a:effectRef idx="1">
+            <a:schemeClr val="dk1"/>
+          </a:effectRef>
+          <a:fontRef idx="minor">
+            <a:schemeClr val="tx1"/>
+          </a:fontRef>
+        </p:style>
+      </p:cxnSp>
+      <p:sp>
+        <p:nvSpPr>
+          <p:cNvPr id="16" name="Rectangle 15">
+            <a:extLst>
+              <a:ext uri="{FF2B5EF4-FFF2-40B4-BE49-F238E27FC236}">
+                <a16:creationId xmlns:a16="http://schemas.microsoft.com/office/drawing/2014/main" id="{EE906A4C-8F82-1299-F051-39223E0EDAAD}"/>
+              </a:ext>
+            </a:extLst>
+          </p:cNvPr>
+          <p:cNvSpPr/>
+          <p:nvPr/>
+        </p:nvSpPr>
+        <p:spPr>
+          <a:xfrm>
+            <a:off x="4096907" y="2136709"/>
+            <a:ext cx="2204390" cy="307777"/>
+          </a:xfrm>
+          <a:prstGeom prst="rect">
+            <a:avLst/>
+          </a:prstGeom>
+          <a:solidFill>
+            <a:schemeClr val="tx2">
+              <a:lumMod val="50000"/>
+              <a:lumOff val="50000"/>
+            </a:schemeClr>
+          </a:solidFill>
+        </p:spPr>
+        <p:style>
+          <a:lnRef idx="2">
+            <a:schemeClr val="accent1">
+              <a:shade val="15000"/>
+            </a:schemeClr>
+          </a:lnRef>
+          <a:fillRef idx="1">
+            <a:schemeClr val="accent1"/>
+          </a:fillRef>
+          <a:effectRef idx="0">
+            <a:schemeClr val="accent1"/>
+          </a:effectRef>
+          <a:fontRef idx="minor">
+            <a:schemeClr val="lt1"/>
+          </a:fontRef>
+        </p:style>
+        <p:txBody>
+          <a:bodyPr wrap="square" lIns="91440" tIns="45720" rIns="91440" bIns="45720" rtlCol="0" anchor="ctr">
+            <a:spAutoFit/>
+          </a:bodyPr>
+          <a:lstStyle/>
+          <a:p>
+            <a:pPr algn="ctr"/>
+            <a:r>
+              <a:rPr lang="en-US" sz="1400" dirty="0"/>
+              <a:t>Poll Keypad</a:t>
+            </a:r>
+          </a:p>
+        </p:txBody>
+      </p:sp>
+      <p:cxnSp>
+        <p:nvCxnSpPr>
+          <p:cNvPr id="17" name="Straight Arrow Connector 16">
+            <a:extLst>
+              <a:ext uri="{FF2B5EF4-FFF2-40B4-BE49-F238E27FC236}">
+                <a16:creationId xmlns:a16="http://schemas.microsoft.com/office/drawing/2014/main" id="{F93AE2C5-C8E3-E7FE-ABA8-7FB9BBBD19A7}"/>
+              </a:ext>
+            </a:extLst>
+          </p:cNvPr>
+          <p:cNvCxnSpPr>
+            <a:cxnSpLocks/>
+          </p:cNvCxnSpPr>
+          <p:nvPr/>
+        </p:nvCxnSpPr>
+        <p:spPr>
+          <a:xfrm>
+            <a:off x="5199102" y="2444486"/>
+            <a:ext cx="0" cy="442616"/>
+          </a:xfrm>
+          <a:prstGeom prst="straightConnector1">
+            <a:avLst/>
+          </a:prstGeom>
+          <a:ln w="76200">
+            <a:solidFill>
+              <a:schemeClr val="tx1"/>
+            </a:solidFill>
+            <a:tailEnd type="triangle"/>
+          </a:ln>
+        </p:spPr>
+        <p:style>
+          <a:lnRef idx="2">
+            <a:schemeClr val="dk1"/>
+          </a:lnRef>
+          <a:fillRef idx="0">
+            <a:schemeClr val="dk1"/>
+          </a:fillRef>
+          <a:effectRef idx="1">
+            <a:schemeClr val="dk1"/>
+          </a:effectRef>
+          <a:fontRef idx="minor">
+            <a:schemeClr val="tx1"/>
+          </a:fontRef>
+        </p:style>
+      </p:cxnSp>
+      <p:sp>
+        <p:nvSpPr>
+          <p:cNvPr id="24" name="Arrow: U-Turn 23">
+            <a:extLst>
+              <a:ext uri="{FF2B5EF4-FFF2-40B4-BE49-F238E27FC236}">
+                <a16:creationId xmlns:a16="http://schemas.microsoft.com/office/drawing/2014/main" id="{6EDCF59E-E147-D6E6-6A0E-95F33A5985D2}"/>
+              </a:ext>
+            </a:extLst>
+          </p:cNvPr>
+          <p:cNvSpPr/>
+          <p:nvPr/>
+        </p:nvSpPr>
+        <p:spPr>
+          <a:xfrm rot="16200000" flipV="1">
+            <a:off x="5406829" y="2109779"/>
+            <a:ext cx="2943030" cy="1154097"/>
+          </a:xfrm>
+          <a:prstGeom prst="uturnArrow">
+            <a:avLst>
+              <a:gd name="adj1" fmla="val 5913"/>
+              <a:gd name="adj2" fmla="val 25000"/>
+              <a:gd name="adj3" fmla="val 15465"/>
+              <a:gd name="adj4" fmla="val 49178"/>
+              <a:gd name="adj5" fmla="val 95936"/>
+            </a:avLst>
+          </a:prstGeom>
+          <a:solidFill>
+            <a:schemeClr val="tx1"/>
+          </a:solidFill>
+        </p:spPr>
+        <p:style>
+          <a:lnRef idx="2">
+            <a:schemeClr val="accent1">
+              <a:shade val="15000"/>
+            </a:schemeClr>
+          </a:lnRef>
+          <a:fillRef idx="1">
+            <a:schemeClr val="accent1"/>
+          </a:fillRef>
+          <a:effectRef idx="0">
+            <a:schemeClr val="accent1"/>
+          </a:effectRef>
+          <a:fontRef idx="minor">
+            <a:schemeClr val="lt1"/>
+          </a:fontRef>
+        </p:style>
+        <p:txBody>
+          <a:bodyPr rtlCol="0" anchor="ctr"/>
+          <a:lstStyle/>
+          <a:p>
+            <a:pPr algn="ctr"/>
+            <a:endParaRPr lang="en-US">
+              <a:solidFill>
+                <a:schemeClr val="tx1"/>
+              </a:solidFill>
+            </a:endParaRPr>
+          </a:p>
+        </p:txBody>
+      </p:sp>
+      <p:sp>
+        <p:nvSpPr>
+          <p:cNvPr id="2" name="Flowchart: Document 1">
+            <a:extLst>
+              <a:ext uri="{FF2B5EF4-FFF2-40B4-BE49-F238E27FC236}">
+                <a16:creationId xmlns:a16="http://schemas.microsoft.com/office/drawing/2014/main" id="{4B368C37-4C0B-C3AF-0AFD-6CFEAE809C80}"/>
+              </a:ext>
+            </a:extLst>
+          </p:cNvPr>
+          <p:cNvSpPr/>
+          <p:nvPr/>
+        </p:nvSpPr>
+        <p:spPr>
+          <a:xfrm>
+            <a:off x="7794249" y="1334173"/>
+            <a:ext cx="4103223" cy="1031915"/>
+          </a:xfrm>
+          <a:prstGeom prst="flowChartDocument">
+            <a:avLst/>
+          </a:prstGeom>
+          <a:solidFill>
+            <a:srgbClr val="19A796"/>
+          </a:solidFill>
+        </p:spPr>
+        <p:style>
+          <a:lnRef idx="2">
+            <a:schemeClr val="accent1">
+              <a:shade val="15000"/>
+            </a:schemeClr>
+          </a:lnRef>
+          <a:fillRef idx="1">
+            <a:schemeClr val="accent1"/>
+          </a:fillRef>
+          <a:effectRef idx="0">
+            <a:schemeClr val="accent1"/>
+          </a:effectRef>
+          <a:fontRef idx="minor">
+            <a:schemeClr val="lt1"/>
+          </a:fontRef>
+        </p:style>
+        <p:txBody>
+          <a:bodyPr wrap="square" rtlCol="0" anchor="t" anchorCtr="0">
+            <a:spAutoFit/>
+          </a:bodyPr>
+          <a:lstStyle/>
+          <a:p>
+            <a:r>
+              <a:rPr lang="en-US" sz="1600" b="1" u="sng" dirty="0"/>
+              <a:t>SAMPLING ISR FOR POTS:</a:t>
+            </a:r>
+          </a:p>
+          <a:p>
+            <a:pPr marL="285750" indent="-285750">
+              <a:buFont typeface="Arial" panose="020B0604020202020204" pitchFamily="34" charset="0"/>
+              <a:buChar char="•"/>
+            </a:pPr>
+            <a:r>
+              <a:rPr lang="en-US" sz="1600" dirty="0"/>
+              <a:t>Read all POT values</a:t>
+            </a:r>
+          </a:p>
+          <a:p>
+            <a:pPr marL="285750" indent="-285750">
+              <a:buFont typeface="Arial" panose="020B0604020202020204" pitchFamily="34" charset="0"/>
+              <a:buChar char="•"/>
+            </a:pPr>
+            <a:r>
+              <a:rPr lang="en-US" sz="1600" dirty="0"/>
+              <a:t>Update global variables</a:t>
+            </a:r>
+          </a:p>
+        </p:txBody>
+      </p:sp>
+      <p:cxnSp>
+        <p:nvCxnSpPr>
+          <p:cNvPr id="3" name="Straight Connector 2">
+            <a:extLst>
+              <a:ext uri="{FF2B5EF4-FFF2-40B4-BE49-F238E27FC236}">
+                <a16:creationId xmlns:a16="http://schemas.microsoft.com/office/drawing/2014/main" id="{072FDA76-E4D0-22F8-4519-A9C5DB9463DA}"/>
+              </a:ext>
+            </a:extLst>
+          </p:cNvPr>
+          <p:cNvCxnSpPr>
+            <a:cxnSpLocks/>
+          </p:cNvCxnSpPr>
+          <p:nvPr/>
+        </p:nvCxnSpPr>
+        <p:spPr>
+          <a:xfrm flipV="1">
+            <a:off x="7686595" y="1059631"/>
+            <a:ext cx="0" cy="5255879"/>
+          </a:xfrm>
+          <a:prstGeom prst="line">
+            <a:avLst/>
+          </a:prstGeom>
+          <a:ln w="38100">
+            <a:solidFill>
+              <a:schemeClr val="tx1"/>
+            </a:solidFill>
+            <a:prstDash val="dash"/>
+          </a:ln>
+        </p:spPr>
+        <p:style>
+          <a:lnRef idx="2">
+            <a:schemeClr val="accent1"/>
+          </a:lnRef>
+          <a:fillRef idx="0">
+            <a:schemeClr val="accent1"/>
+          </a:fillRef>
+          <a:effectRef idx="1">
+            <a:schemeClr val="accent1"/>
+          </a:effectRef>
+          <a:fontRef idx="minor">
+            <a:schemeClr val="tx1"/>
+          </a:fontRef>
+        </p:style>
+      </p:cxnSp>
+      <p:sp>
+        <p:nvSpPr>
+          <p:cNvPr id="7" name="Rectangle 6">
+            <a:extLst>
+              <a:ext uri="{FF2B5EF4-FFF2-40B4-BE49-F238E27FC236}">
+                <a16:creationId xmlns:a16="http://schemas.microsoft.com/office/drawing/2014/main" id="{2AA1AFE8-1385-C27C-8A6C-54C0CC0BDE08}"/>
+              </a:ext>
+            </a:extLst>
+          </p:cNvPr>
+          <p:cNvSpPr/>
+          <p:nvPr/>
+        </p:nvSpPr>
+        <p:spPr>
+          <a:xfrm>
+            <a:off x="3967304" y="2873954"/>
+            <a:ext cx="2702010" cy="2246769"/>
+          </a:xfrm>
+          <a:prstGeom prst="rect">
+            <a:avLst/>
+          </a:prstGeom>
+          <a:solidFill>
+            <a:schemeClr val="tx2">
+              <a:lumMod val="50000"/>
+              <a:lumOff val="50000"/>
+            </a:schemeClr>
+          </a:solidFill>
+        </p:spPr>
+        <p:style>
+          <a:lnRef idx="2">
+            <a:schemeClr val="accent1">
+              <a:shade val="15000"/>
+            </a:schemeClr>
+          </a:lnRef>
+          <a:fillRef idx="1">
+            <a:schemeClr val="accent1"/>
+          </a:fillRef>
+          <a:effectRef idx="0">
+            <a:schemeClr val="accent1"/>
+          </a:effectRef>
+          <a:fontRef idx="minor">
+            <a:schemeClr val="lt1"/>
+          </a:fontRef>
+        </p:style>
+        <p:txBody>
+          <a:bodyPr wrap="square" lIns="91440" tIns="45720" rIns="91440" bIns="45720" rtlCol="0" anchor="ctr">
+            <a:spAutoFit/>
+          </a:bodyPr>
+          <a:lstStyle/>
+          <a:p>
+            <a:pPr algn="ctr"/>
+            <a:r>
+              <a:rPr lang="en-US" sz="1400" dirty="0"/>
+              <a:t>Select Menu Option:</a:t>
+            </a:r>
+          </a:p>
+          <a:p>
+            <a:pPr marL="285750" indent="-285750">
+              <a:buFont typeface="Arial" panose="020B0604020202020204" pitchFamily="34" charset="0"/>
+              <a:buChar char="•"/>
+            </a:pPr>
+            <a:r>
+              <a:rPr lang="en-US" sz="1400" dirty="0"/>
+              <a:t>Select control algorithm</a:t>
+            </a:r>
+          </a:p>
+          <a:p>
+            <a:pPr marL="742950" lvl="1" indent="-285750">
+              <a:buFont typeface="Arial" panose="020B0604020202020204" pitchFamily="34" charset="0"/>
+              <a:buChar char="•"/>
+            </a:pPr>
+            <a:r>
+              <a:rPr lang="en-US" sz="1400" dirty="0"/>
+              <a:t>MRAS</a:t>
+            </a:r>
+          </a:p>
+          <a:p>
+            <a:pPr marL="742950" lvl="1" indent="-285750">
+              <a:buFont typeface="Arial" panose="020B0604020202020204" pitchFamily="34" charset="0"/>
+              <a:buChar char="•"/>
+            </a:pPr>
+            <a:r>
+              <a:rPr lang="en-US" sz="1400" dirty="0"/>
+              <a:t>Custom PD w/ POTS</a:t>
+            </a:r>
+          </a:p>
+          <a:p>
+            <a:pPr marL="285750" indent="-285750">
+              <a:buFont typeface="Arial" panose="020B0604020202020204" pitchFamily="34" charset="0"/>
+              <a:buChar char="•"/>
+            </a:pPr>
+            <a:r>
+              <a:rPr lang="en-US" sz="1400" dirty="0"/>
+              <a:t>Enable/Disable control</a:t>
+            </a:r>
+          </a:p>
+          <a:p>
+            <a:pPr marL="285750" indent="-285750">
+              <a:buFont typeface="Arial" panose="020B0604020202020204" pitchFamily="34" charset="0"/>
+              <a:buChar char="•"/>
+            </a:pPr>
+            <a:r>
+              <a:rPr lang="en-US" sz="1400" dirty="0"/>
+              <a:t>Enter set point</a:t>
+            </a:r>
+          </a:p>
+          <a:p>
+            <a:pPr marL="285750" indent="-285750">
+              <a:buFont typeface="Arial" panose="020B0604020202020204" pitchFamily="34" charset="0"/>
+              <a:buChar char="•"/>
+            </a:pPr>
+            <a:r>
+              <a:rPr lang="en-US" sz="1400" dirty="0"/>
+              <a:t>Start test (control/data)</a:t>
+            </a:r>
+          </a:p>
+          <a:p>
+            <a:pPr marL="285750" indent="-285750" algn="ctr">
+              <a:buFont typeface="Arial" panose="020B0604020202020204" pitchFamily="34" charset="0"/>
+              <a:buChar char="•"/>
+            </a:pPr>
+            <a:endParaRPr lang="en-US" sz="1400" dirty="0"/>
+          </a:p>
+          <a:p>
+            <a:pPr algn="ctr"/>
+            <a:endParaRPr lang="en-US" sz="1400" dirty="0"/>
+          </a:p>
+          <a:p>
+            <a:pPr algn="ctr"/>
+            <a:endParaRPr lang="en-US" sz="1400" dirty="0"/>
+          </a:p>
+        </p:txBody>
+      </p:sp>
+      <p:sp>
+        <p:nvSpPr>
+          <p:cNvPr id="9" name="TextBox 8">
+            <a:extLst>
+              <a:ext uri="{FF2B5EF4-FFF2-40B4-BE49-F238E27FC236}">
+                <a16:creationId xmlns:a16="http://schemas.microsoft.com/office/drawing/2014/main" id="{9BAAFF62-2A38-EEFB-C5A6-405AA11DF0C9}"/>
+              </a:ext>
+            </a:extLst>
+          </p:cNvPr>
+          <p:cNvSpPr txBox="1"/>
+          <p:nvPr/>
+        </p:nvSpPr>
+        <p:spPr>
+          <a:xfrm>
+            <a:off x="0" y="420123"/>
+            <a:ext cx="12192000" cy="646331"/>
+          </a:xfrm>
+          <a:prstGeom prst="rect">
+            <a:avLst/>
+          </a:prstGeom>
+          <a:noFill/>
+        </p:spPr>
+        <p:txBody>
+          <a:bodyPr wrap="square" rtlCol="0">
+            <a:spAutoFit/>
+          </a:bodyPr>
+          <a:lstStyle/>
+          <a:p>
+            <a:pPr algn="ctr"/>
+            <a:r>
+              <a:rPr lang="en-US" sz="3600" b="1" dirty="0">
+                <a:solidFill>
+                  <a:schemeClr val="accent1"/>
+                </a:solidFill>
+              </a:rPr>
+              <a:t>Flowchart (master)</a:t>
+            </a:r>
+          </a:p>
+        </p:txBody>
+      </p:sp>
+    </p:spTree>
+    <p:extLst>
+      <p:ext uri="{BB962C8B-B14F-4D97-AF65-F5344CB8AC3E}">
+        <p14:creationId xmlns:p14="http://schemas.microsoft.com/office/powerpoint/2010/main" val="866475001"/>
+      </p:ext>
+    </p:extLst>
+  </p:cSld>
+  <p:clrMapOvr>
+    <a:masterClrMapping/>
+  </p:clrMapOvr>
+</p:sld>
+</file>
+
+<file path=ppt/slides/slide3.xml><?xml version="1.0" encoding="utf-8"?>
+<p:sld xmlns:a="http://schemas.openxmlformats.org/drawingml/2006/main" xmlns:r="http://schemas.openxmlformats.org/officeDocument/2006/relationships" xmlns:p="http://schemas.openxmlformats.org/presentationml/2006/main">
+  <p:cSld>
+    <p:spTree>
+      <p:nvGrpSpPr>
+        <p:cNvPr id="1" name="">
+          <a:extLst>
+            <a:ext uri="{FF2B5EF4-FFF2-40B4-BE49-F238E27FC236}">
+              <a16:creationId xmlns:a16="http://schemas.microsoft.com/office/drawing/2014/main" id="{9D2B1FE5-C9CF-A17D-33F5-4BB244EB41BF}"/>
+            </a:ext>
+          </a:extLst>
+        </p:cNvPr>
+        <p:cNvGrpSpPr/>
+        <p:nvPr/>
+      </p:nvGrpSpPr>
+      <p:grpSpPr>
+        <a:xfrm>
+          <a:off x="0" y="0"/>
+          <a:ext cx="0" cy="0"/>
+          <a:chOff x="0" y="0"/>
+          <a:chExt cx="0" cy="0"/>
+        </a:xfrm>
+      </p:grpSpPr>
+      <p:cxnSp>
+        <p:nvCxnSpPr>
+          <p:cNvPr id="89" name="Straight Arrow Connector 88">
+            <a:extLst>
+              <a:ext uri="{FF2B5EF4-FFF2-40B4-BE49-F238E27FC236}">
+                <a16:creationId xmlns:a16="http://schemas.microsoft.com/office/drawing/2014/main" id="{302AE19C-E6F1-A3FC-FC77-9BA74E6EAD8D}"/>
+              </a:ext>
+            </a:extLst>
+          </p:cNvPr>
+          <p:cNvCxnSpPr>
+            <a:cxnSpLocks/>
+            <a:stCxn id="4" idx="2"/>
+            <a:endCxn id="5" idx="0"/>
+          </p:cNvCxnSpPr>
+          <p:nvPr/>
+        </p:nvCxnSpPr>
+        <p:spPr>
+          <a:xfrm>
+            <a:off x="1841592" y="3035623"/>
+            <a:ext cx="0" cy="464661"/>
+          </a:xfrm>
+          <a:prstGeom prst="straightConnector1">
+            <a:avLst/>
+          </a:prstGeom>
+          <a:ln w="76200">
+            <a:solidFill>
+              <a:schemeClr val="tx1"/>
+            </a:solidFill>
+            <a:tailEnd type="triangle"/>
+          </a:ln>
+        </p:spPr>
+        <p:style>
+          <a:lnRef idx="2">
+            <a:schemeClr val="dk1"/>
+          </a:lnRef>
+          <a:fillRef idx="0">
+            <a:schemeClr val="dk1"/>
+          </a:fillRef>
+          <a:effectRef idx="1">
+            <a:schemeClr val="dk1"/>
+          </a:effectRef>
+          <a:fontRef idx="minor">
+            <a:schemeClr val="tx1"/>
+          </a:fontRef>
+        </p:style>
+      </p:cxnSp>
+      <p:sp>
+        <p:nvSpPr>
+          <p:cNvPr id="4" name="Flowchart: Document 3">
+            <a:extLst>
+              <a:ext uri="{FF2B5EF4-FFF2-40B4-BE49-F238E27FC236}">
+                <a16:creationId xmlns:a16="http://schemas.microsoft.com/office/drawing/2014/main" id="{F728BF9A-A014-8A8E-27BD-AD73BFB3269A}"/>
+              </a:ext>
+            </a:extLst>
+          </p:cNvPr>
+          <p:cNvSpPr/>
+          <p:nvPr/>
+        </p:nvSpPr>
+        <p:spPr>
+          <a:xfrm>
+            <a:off x="294524" y="1215313"/>
+            <a:ext cx="3094136" cy="1949172"/>
+          </a:xfrm>
+          <a:prstGeom prst="flowChartDocument">
+            <a:avLst/>
+          </a:prstGeom>
+          <a:solidFill>
+            <a:srgbClr val="19A796"/>
+          </a:solidFill>
+        </p:spPr>
+        <p:style>
+          <a:lnRef idx="2">
+            <a:schemeClr val="accent1">
+              <a:shade val="15000"/>
+            </a:schemeClr>
+          </a:lnRef>
+          <a:fillRef idx="1">
+            <a:schemeClr val="accent1"/>
+          </a:fillRef>
+          <a:effectRef idx="0">
+            <a:schemeClr val="accent1"/>
+          </a:effectRef>
+          <a:fontRef idx="minor">
+            <a:schemeClr val="lt1"/>
+          </a:fontRef>
+        </p:style>
+        <p:txBody>
+          <a:bodyPr wrap="square" rtlCol="0" anchor="t" anchorCtr="0">
+            <a:spAutoFit/>
+          </a:bodyPr>
+          <a:lstStyle/>
+          <a:p>
+            <a:r>
+              <a:rPr lang="en-US" sz="1600" b="1" u="sng" dirty="0"/>
+              <a:t>Init</a:t>
+            </a:r>
+          </a:p>
+          <a:p>
+            <a:pPr marL="285750" indent="-285750">
+              <a:buFont typeface="Arial" panose="020B0604020202020204" pitchFamily="34" charset="0"/>
+              <a:buChar char="•"/>
+            </a:pPr>
+            <a:r>
+              <a:rPr lang="en-US" sz="1600" dirty="0"/>
+              <a:t>Encoder</a:t>
+            </a:r>
+          </a:p>
+          <a:p>
+            <a:pPr marL="285750" indent="-285750">
+              <a:buFont typeface="Arial" panose="020B0604020202020204" pitchFamily="34" charset="0"/>
+              <a:buChar char="•"/>
+            </a:pPr>
+            <a:r>
+              <a:rPr lang="en-US" sz="1600" dirty="0"/>
+              <a:t>Motor driver</a:t>
+            </a:r>
+          </a:p>
+          <a:p>
+            <a:pPr marL="285750" indent="-285750">
+              <a:buFont typeface="Arial" panose="020B0604020202020204" pitchFamily="34" charset="0"/>
+              <a:buChar char="•"/>
+            </a:pPr>
+            <a:r>
+              <a:rPr lang="en-US" sz="1600" dirty="0"/>
+              <a:t>I2C slave</a:t>
+            </a:r>
+          </a:p>
+          <a:p>
+            <a:pPr marL="285750" indent="-285750">
+              <a:buFont typeface="Arial" panose="020B0604020202020204" pitchFamily="34" charset="0"/>
+              <a:buChar char="•"/>
+            </a:pPr>
+            <a:r>
+              <a:rPr lang="en-US" sz="1600" dirty="0"/>
+              <a:t>Control sampling timer</a:t>
+            </a:r>
+          </a:p>
+          <a:p>
+            <a:pPr marL="285750" indent="-285750">
+              <a:buFont typeface="Arial" panose="020B0604020202020204" pitchFamily="34" charset="0"/>
+              <a:buChar char="•"/>
+            </a:pPr>
+            <a:r>
+              <a:rPr lang="en-US" sz="1600" dirty="0"/>
+              <a:t>Encoder sampling timer</a:t>
+            </a:r>
+          </a:p>
+        </p:txBody>
+      </p:sp>
+      <p:sp>
+        <p:nvSpPr>
+          <p:cNvPr id="24" name="Arrow: U-Turn 23">
+            <a:extLst>
+              <a:ext uri="{FF2B5EF4-FFF2-40B4-BE49-F238E27FC236}">
+                <a16:creationId xmlns:a16="http://schemas.microsoft.com/office/drawing/2014/main" id="{1FA35B9A-5139-6BAA-BF87-56FDF33B491A}"/>
+              </a:ext>
+            </a:extLst>
+          </p:cNvPr>
+          <p:cNvSpPr/>
+          <p:nvPr/>
+        </p:nvSpPr>
+        <p:spPr>
+          <a:xfrm rot="16200000" flipV="1">
+            <a:off x="2912382" y="3397152"/>
+            <a:ext cx="442615" cy="505237"/>
+          </a:xfrm>
+          <a:prstGeom prst="uturnArrow">
+            <a:avLst>
+              <a:gd name="adj1" fmla="val 5913"/>
+              <a:gd name="adj2" fmla="val 25000"/>
+              <a:gd name="adj3" fmla="val 56455"/>
+              <a:gd name="adj4" fmla="val 49178"/>
+              <a:gd name="adj5" fmla="val 95936"/>
+            </a:avLst>
+          </a:prstGeom>
+          <a:solidFill>
+            <a:schemeClr val="tx1"/>
+          </a:solidFill>
+        </p:spPr>
+        <p:style>
+          <a:lnRef idx="2">
+            <a:schemeClr val="accent1">
+              <a:shade val="15000"/>
+            </a:schemeClr>
+          </a:lnRef>
+          <a:fillRef idx="1">
+            <a:schemeClr val="accent1"/>
+          </a:fillRef>
+          <a:effectRef idx="0">
+            <a:schemeClr val="accent1"/>
+          </a:effectRef>
+          <a:fontRef idx="minor">
+            <a:schemeClr val="lt1"/>
+          </a:fontRef>
+        </p:style>
+        <p:txBody>
+          <a:bodyPr rtlCol="0" anchor="ctr"/>
+          <a:lstStyle/>
+          <a:p>
+            <a:pPr algn="ctr"/>
+            <a:endParaRPr lang="en-US">
+              <a:solidFill>
+                <a:schemeClr val="tx1"/>
+              </a:solidFill>
+            </a:endParaRPr>
+          </a:p>
+        </p:txBody>
+      </p:sp>
+      <p:sp>
+        <p:nvSpPr>
+          <p:cNvPr id="2" name="Flowchart: Document 1">
+            <a:extLst>
+              <a:ext uri="{FF2B5EF4-FFF2-40B4-BE49-F238E27FC236}">
+                <a16:creationId xmlns:a16="http://schemas.microsoft.com/office/drawing/2014/main" id="{936D91AB-9BA8-A64A-313F-CDC53D67589B}"/>
+              </a:ext>
+            </a:extLst>
+          </p:cNvPr>
+          <p:cNvSpPr/>
+          <p:nvPr/>
+        </p:nvSpPr>
+        <p:spPr>
+          <a:xfrm>
+            <a:off x="4161332" y="1215542"/>
+            <a:ext cx="3066782" cy="2254925"/>
+          </a:xfrm>
+          <a:prstGeom prst="flowChartDocument">
+            <a:avLst/>
+          </a:prstGeom>
+          <a:solidFill>
+            <a:srgbClr val="19A796"/>
+          </a:solidFill>
+        </p:spPr>
+        <p:style>
+          <a:lnRef idx="2">
+            <a:schemeClr val="accent1">
+              <a:shade val="15000"/>
+            </a:schemeClr>
+          </a:lnRef>
+          <a:fillRef idx="1">
+            <a:schemeClr val="accent1"/>
+          </a:fillRef>
+          <a:effectRef idx="0">
+            <a:schemeClr val="accent1"/>
+          </a:effectRef>
+          <a:fontRef idx="minor">
+            <a:schemeClr val="lt1"/>
+          </a:fontRef>
+        </p:style>
+        <p:txBody>
+          <a:bodyPr wrap="square" rtlCol="0" anchor="t" anchorCtr="0">
+            <a:spAutoFit/>
+          </a:bodyPr>
+          <a:lstStyle/>
+          <a:p>
+            <a:r>
+              <a:rPr lang="en-US" sz="1600" b="1" u="sng" dirty="0"/>
+              <a:t>CONTROLLER SAMPLING :</a:t>
+            </a:r>
+          </a:p>
+          <a:p>
+            <a:pPr marL="285750" indent="-285750">
+              <a:buFont typeface="Arial" panose="020B0604020202020204" pitchFamily="34" charset="0"/>
+              <a:buChar char="•"/>
+            </a:pPr>
+            <a:r>
+              <a:rPr lang="en-US" sz="1600" dirty="0"/>
+              <a:t>MRAS</a:t>
+            </a:r>
+          </a:p>
+          <a:p>
+            <a:pPr marL="742950" lvl="1" indent="-285750">
+              <a:buFont typeface="Arial" panose="020B0604020202020204" pitchFamily="34" charset="0"/>
+              <a:buChar char="•"/>
+            </a:pPr>
+            <a:r>
+              <a:rPr lang="en-US" sz="1600" dirty="0"/>
+              <a:t>Update all states</a:t>
+            </a:r>
+          </a:p>
+          <a:p>
+            <a:pPr marL="742950" lvl="1" indent="-285750">
+              <a:buFont typeface="Arial" panose="020B0604020202020204" pitchFamily="34" charset="0"/>
+              <a:buChar char="•"/>
+            </a:pPr>
+            <a:r>
+              <a:rPr lang="en-US" sz="1600" dirty="0"/>
+              <a:t>Update motor velocity</a:t>
+            </a:r>
+          </a:p>
+          <a:p>
+            <a:pPr marL="285750" indent="-285750">
+              <a:buFont typeface="Arial" panose="020B0604020202020204" pitchFamily="34" charset="0"/>
+              <a:buChar char="•"/>
+            </a:pPr>
+            <a:r>
+              <a:rPr lang="en-US" sz="1600" dirty="0"/>
+              <a:t>Custom</a:t>
+            </a:r>
+          </a:p>
+          <a:p>
+            <a:pPr marL="742950" lvl="1" indent="-285750">
+              <a:buFont typeface="Arial" panose="020B0604020202020204" pitchFamily="34" charset="0"/>
+              <a:buChar char="•"/>
+            </a:pPr>
+            <a:r>
+              <a:rPr lang="en-US" sz="1600" dirty="0"/>
+              <a:t>Calculate motor velocity</a:t>
+            </a:r>
+          </a:p>
+          <a:p>
+            <a:pPr marL="742950" lvl="1" indent="-285750">
+              <a:buFont typeface="Arial" panose="020B0604020202020204" pitchFamily="34" charset="0"/>
+              <a:buChar char="•"/>
+            </a:pPr>
+            <a:endParaRPr lang="en-US" sz="1600" dirty="0"/>
+          </a:p>
+        </p:txBody>
+      </p:sp>
+      <p:cxnSp>
+        <p:nvCxnSpPr>
+          <p:cNvPr id="3" name="Straight Connector 2">
+            <a:extLst>
+              <a:ext uri="{FF2B5EF4-FFF2-40B4-BE49-F238E27FC236}">
+                <a16:creationId xmlns:a16="http://schemas.microsoft.com/office/drawing/2014/main" id="{29317683-B8EA-15FF-FAAF-73F07A8CEC72}"/>
+              </a:ext>
+            </a:extLst>
+          </p:cNvPr>
+          <p:cNvCxnSpPr>
+            <a:cxnSpLocks/>
+          </p:cNvCxnSpPr>
+          <p:nvPr/>
+        </p:nvCxnSpPr>
+        <p:spPr>
+          <a:xfrm flipV="1">
+            <a:off x="3774995" y="1066454"/>
+            <a:ext cx="0" cy="5255879"/>
+          </a:xfrm>
+          <a:prstGeom prst="line">
+            <a:avLst/>
+          </a:prstGeom>
+          <a:ln w="38100">
+            <a:solidFill>
+              <a:schemeClr val="tx1"/>
+            </a:solidFill>
+            <a:prstDash val="dash"/>
+          </a:ln>
+        </p:spPr>
+        <p:style>
+          <a:lnRef idx="2">
+            <a:schemeClr val="accent1"/>
+          </a:lnRef>
+          <a:fillRef idx="0">
+            <a:schemeClr val="accent1"/>
+          </a:fillRef>
+          <a:effectRef idx="1">
+            <a:schemeClr val="accent1"/>
+          </a:effectRef>
+          <a:fontRef idx="minor">
+            <a:schemeClr val="tx1"/>
+          </a:fontRef>
+        </p:style>
+      </p:cxnSp>
+      <p:sp>
+        <p:nvSpPr>
+          <p:cNvPr id="9" name="TextBox 8">
+            <a:extLst>
+              <a:ext uri="{FF2B5EF4-FFF2-40B4-BE49-F238E27FC236}">
+                <a16:creationId xmlns:a16="http://schemas.microsoft.com/office/drawing/2014/main" id="{261BFE5A-0451-B68E-6ED9-49CBBFB308BF}"/>
+              </a:ext>
+            </a:extLst>
+          </p:cNvPr>
+          <p:cNvSpPr txBox="1"/>
+          <p:nvPr/>
+        </p:nvSpPr>
+        <p:spPr>
+          <a:xfrm>
+            <a:off x="0" y="420123"/>
+            <a:ext cx="12192000" cy="646331"/>
+          </a:xfrm>
+          <a:prstGeom prst="rect">
+            <a:avLst/>
+          </a:prstGeom>
+          <a:noFill/>
+        </p:spPr>
+        <p:txBody>
+          <a:bodyPr wrap="square" rtlCol="0">
+            <a:spAutoFit/>
+          </a:bodyPr>
+          <a:lstStyle/>
+          <a:p>
+            <a:pPr algn="ctr"/>
+            <a:r>
+              <a:rPr lang="en-US" sz="3600" b="1" dirty="0">
+                <a:solidFill>
+                  <a:schemeClr val="accent1"/>
+                </a:solidFill>
+              </a:rPr>
+              <a:t>Flowchart (slave)</a:t>
+            </a:r>
+          </a:p>
+        </p:txBody>
+      </p:sp>
+      <p:sp>
+        <p:nvSpPr>
+          <p:cNvPr id="5" name="Rectangle: Rounded Corners 4">
+            <a:extLst>
+              <a:ext uri="{FF2B5EF4-FFF2-40B4-BE49-F238E27FC236}">
+                <a16:creationId xmlns:a16="http://schemas.microsoft.com/office/drawing/2014/main" id="{2FDF3A6F-A687-8264-905B-9FF1160DABB2}"/>
+              </a:ext>
+            </a:extLst>
+          </p:cNvPr>
+          <p:cNvSpPr/>
+          <p:nvPr/>
+        </p:nvSpPr>
+        <p:spPr>
+          <a:xfrm>
+            <a:off x="802113" y="3500284"/>
+            <a:ext cx="2078958" cy="374571"/>
+          </a:xfrm>
+          <a:prstGeom prst="roundRect">
+            <a:avLst/>
+          </a:prstGeom>
+          <a:solidFill>
+            <a:schemeClr val="accent2"/>
+          </a:solidFill>
+        </p:spPr>
+        <p:style>
+          <a:lnRef idx="2">
+            <a:schemeClr val="accent1">
+              <a:shade val="15000"/>
+            </a:schemeClr>
+          </a:lnRef>
+          <a:fillRef idx="1">
+            <a:schemeClr val="accent1"/>
+          </a:fillRef>
+          <a:effectRef idx="0">
+            <a:schemeClr val="accent1"/>
+          </a:effectRef>
+          <a:fontRef idx="minor">
+            <a:schemeClr val="lt1"/>
+          </a:fontRef>
+        </p:style>
+        <p:txBody>
+          <a:bodyPr wrap="square" rtlCol="0" anchor="ctr">
+            <a:spAutoFit/>
+          </a:bodyPr>
+          <a:lstStyle/>
+          <a:p>
+            <a:pPr algn="ctr"/>
+            <a:r>
+              <a:rPr lang="en-US" sz="1600" b="1" u="sng" dirty="0"/>
+              <a:t>Main</a:t>
+            </a:r>
+          </a:p>
+        </p:txBody>
+      </p:sp>
+      <p:sp>
+        <p:nvSpPr>
+          <p:cNvPr id="11" name="Flowchart: Document 10">
+            <a:extLst>
+              <a:ext uri="{FF2B5EF4-FFF2-40B4-BE49-F238E27FC236}">
+                <a16:creationId xmlns:a16="http://schemas.microsoft.com/office/drawing/2014/main" id="{244F7671-38D2-7107-750C-B0F5DFC8DE3C}"/>
+              </a:ext>
+            </a:extLst>
+          </p:cNvPr>
+          <p:cNvSpPr/>
+          <p:nvPr/>
+        </p:nvSpPr>
+        <p:spPr>
+          <a:xfrm>
+            <a:off x="7549991" y="1245359"/>
+            <a:ext cx="3066782" cy="1949172"/>
+          </a:xfrm>
+          <a:prstGeom prst="flowChartDocument">
+            <a:avLst/>
+          </a:prstGeom>
+          <a:solidFill>
+            <a:srgbClr val="19A796"/>
+          </a:solidFill>
+        </p:spPr>
+        <p:style>
+          <a:lnRef idx="2">
+            <a:schemeClr val="accent1">
+              <a:shade val="15000"/>
+            </a:schemeClr>
+          </a:lnRef>
+          <a:fillRef idx="1">
+            <a:schemeClr val="accent1"/>
+          </a:fillRef>
+          <a:effectRef idx="0">
+            <a:schemeClr val="accent1"/>
+          </a:effectRef>
+          <a:fontRef idx="minor">
+            <a:schemeClr val="lt1"/>
+          </a:fontRef>
+        </p:style>
+        <p:txBody>
+          <a:bodyPr wrap="square" rtlCol="0" anchor="t" anchorCtr="0">
+            <a:spAutoFit/>
+          </a:bodyPr>
+          <a:lstStyle/>
+          <a:p>
+            <a:r>
+              <a:rPr lang="en-US" sz="1600" b="1" u="sng" dirty="0"/>
+              <a:t>ENCODER SAMPLING :</a:t>
+            </a:r>
+          </a:p>
+          <a:p>
+            <a:pPr marL="285750" indent="-285750">
+              <a:buFont typeface="Arial" panose="020B0604020202020204" pitchFamily="34" charset="0"/>
+              <a:buChar char="•"/>
+            </a:pPr>
+            <a:r>
+              <a:rPr lang="en-US" sz="1600" dirty="0"/>
+              <a:t>Pulse timing for slower applications</a:t>
+            </a:r>
+          </a:p>
+          <a:p>
+            <a:pPr marL="285750" indent="-285750">
+              <a:buFont typeface="Arial" panose="020B0604020202020204" pitchFamily="34" charset="0"/>
+              <a:buChar char="•"/>
+            </a:pPr>
+            <a:r>
+              <a:rPr lang="en-US" sz="1600" dirty="0"/>
+              <a:t>Update position measurement</a:t>
+            </a:r>
+          </a:p>
+          <a:p>
+            <a:pPr marL="742950" lvl="1" indent="-285750">
+              <a:buFont typeface="Arial" panose="020B0604020202020204" pitchFamily="34" charset="0"/>
+              <a:buChar char="•"/>
+            </a:pPr>
+            <a:endParaRPr lang="en-US" sz="1600" dirty="0"/>
+          </a:p>
+        </p:txBody>
+      </p:sp>
+    </p:spTree>
+    <p:extLst>
+      <p:ext uri="{BB962C8B-B14F-4D97-AF65-F5344CB8AC3E}">
+        <p14:creationId xmlns:p14="http://schemas.microsoft.com/office/powerpoint/2010/main" val="3125853127"/>
       </p:ext>
     </p:extLst>
   </p:cSld>
